--- a/Waxing_Ver_02_Documents/02_Specification/01_Basic Design Document/Basic_Design.pptx
+++ b/Waxing_Ver_02_Documents/02_Specification/01_Basic Design Document/Basic_Design.pptx
@@ -7,7 +7,7 @@
   <p:sldIdLst>
     <p:sldId id="256" r:id="rId2"/>
   </p:sldIdLst>
-  <p:sldSz cx="9144000" cy="6858000" type="screen4x3"/>
+  <p:sldSz cx="9144000" cy="5143500" type="screen16x9"/>
   <p:notesSz cx="6858000" cy="9144000"/>
   <p:defaultTextStyle>
     <a:defPPr>
@@ -136,8 +136,8 @@
         </p:nvSpPr>
         <p:spPr>
           <a:xfrm>
-            <a:off x="685800" y="2130425"/>
-            <a:ext cx="7772400" cy="1470025"/>
+            <a:off x="685800" y="1597819"/>
+            <a:ext cx="7772400" cy="1102519"/>
           </a:xfrm>
         </p:spPr>
         <p:txBody>
@@ -164,8 +164,8 @@
         </p:nvSpPr>
         <p:spPr>
           <a:xfrm>
-            <a:off x="1371600" y="3886200"/>
-            <a:ext cx="6400800" cy="1752600"/>
+            <a:off x="1371600" y="2914650"/>
+            <a:ext cx="6400800" cy="1314450"/>
           </a:xfrm>
         </p:spPr>
         <p:txBody>
@@ -288,7 +288,7 @@
           <a:p>
             <a:fld id="{E90ED720-0104-4369-84BC-D37694168613}" type="datetimeFigureOut">
               <a:rPr kumimoji="1" lang="ja-JP" altLang="en-US" smtClean="0"/>
-              <a:t>2018/5/1</a:t>
+              <a:t>2018/6/2</a:t>
             </a:fld>
             <a:endParaRPr kumimoji="1" lang="ja-JP" altLang="en-US"/>
           </a:p>
@@ -485,7 +485,7 @@
           <a:p>
             <a:fld id="{E90ED720-0104-4369-84BC-D37694168613}" type="datetimeFigureOut">
               <a:rPr kumimoji="1" lang="ja-JP" altLang="en-US" smtClean="0"/>
-              <a:t>2018/5/1</a:t>
+              <a:t>2018/6/2</a:t>
             </a:fld>
             <a:endParaRPr kumimoji="1" lang="ja-JP" altLang="en-US"/>
           </a:p>
@@ -570,8 +570,8 @@
         </p:nvSpPr>
         <p:spPr>
           <a:xfrm>
-            <a:off x="6629400" y="274638"/>
-            <a:ext cx="2057400" cy="5851525"/>
+            <a:off x="6629400" y="205979"/>
+            <a:ext cx="2057400" cy="4388644"/>
           </a:xfrm>
         </p:spPr>
         <p:txBody>
@@ -598,8 +598,8 @@
         </p:nvSpPr>
         <p:spPr>
           <a:xfrm>
-            <a:off x="457200" y="274638"/>
-            <a:ext cx="6019800" cy="5851525"/>
+            <a:off x="457200" y="205979"/>
+            <a:ext cx="6019800" cy="4388644"/>
           </a:xfrm>
         </p:spPr>
         <p:txBody>
@@ -692,7 +692,7 @@
           <a:p>
             <a:fld id="{E90ED720-0104-4369-84BC-D37694168613}" type="datetimeFigureOut">
               <a:rPr kumimoji="1" lang="ja-JP" altLang="en-US" smtClean="0"/>
-              <a:t>2018/5/1</a:t>
+              <a:t>2018/6/2</a:t>
             </a:fld>
             <a:endParaRPr kumimoji="1" lang="ja-JP" altLang="en-US"/>
           </a:p>
@@ -889,7 +889,7 @@
           <a:p>
             <a:fld id="{E90ED720-0104-4369-84BC-D37694168613}" type="datetimeFigureOut">
               <a:rPr kumimoji="1" lang="ja-JP" altLang="en-US" smtClean="0"/>
-              <a:t>2018/5/1</a:t>
+              <a:t>2018/6/2</a:t>
             </a:fld>
             <a:endParaRPr kumimoji="1" lang="ja-JP" altLang="en-US"/>
           </a:p>
@@ -974,8 +974,8 @@
         </p:nvSpPr>
         <p:spPr>
           <a:xfrm>
-            <a:off x="722313" y="4406900"/>
-            <a:ext cx="7772400" cy="1362075"/>
+            <a:off x="722313" y="3305176"/>
+            <a:ext cx="7772400" cy="1021556"/>
           </a:xfrm>
         </p:spPr>
         <p:txBody>
@@ -1006,8 +1006,8 @@
         </p:nvSpPr>
         <p:spPr>
           <a:xfrm>
-            <a:off x="722313" y="2906713"/>
-            <a:ext cx="7772400" cy="1500187"/>
+            <a:off x="722313" y="2180035"/>
+            <a:ext cx="7772400" cy="1125140"/>
           </a:xfrm>
         </p:spPr>
         <p:txBody>
@@ -1130,7 +1130,7 @@
           <a:p>
             <a:fld id="{E90ED720-0104-4369-84BC-D37694168613}" type="datetimeFigureOut">
               <a:rPr kumimoji="1" lang="ja-JP" altLang="en-US" smtClean="0"/>
-              <a:t>2018/5/1</a:t>
+              <a:t>2018/6/2</a:t>
             </a:fld>
             <a:endParaRPr kumimoji="1" lang="ja-JP" altLang="en-US"/>
           </a:p>
@@ -1238,8 +1238,8 @@
         </p:nvSpPr>
         <p:spPr>
           <a:xfrm>
-            <a:off x="457200" y="1600200"/>
-            <a:ext cx="4038600" cy="4525963"/>
+            <a:off x="457200" y="1200151"/>
+            <a:ext cx="4038600" cy="3394472"/>
           </a:xfrm>
         </p:spPr>
         <p:txBody>
@@ -1355,8 +1355,8 @@
         </p:nvSpPr>
         <p:spPr>
           <a:xfrm>
-            <a:off x="4648200" y="1600200"/>
-            <a:ext cx="4038600" cy="4525963"/>
+            <a:off x="4648200" y="1200151"/>
+            <a:ext cx="4038600" cy="3394472"/>
           </a:xfrm>
         </p:spPr>
         <p:txBody>
@@ -1477,7 +1477,7 @@
           <a:p>
             <a:fld id="{E90ED720-0104-4369-84BC-D37694168613}" type="datetimeFigureOut">
               <a:rPr kumimoji="1" lang="ja-JP" altLang="en-US" smtClean="0"/>
-              <a:t>2018/5/1</a:t>
+              <a:t>2018/6/2</a:t>
             </a:fld>
             <a:endParaRPr kumimoji="1" lang="ja-JP" altLang="en-US"/>
           </a:p>
@@ -1589,8 +1589,8 @@
         </p:nvSpPr>
         <p:spPr>
           <a:xfrm>
-            <a:off x="457200" y="1535113"/>
-            <a:ext cx="4040188" cy="639762"/>
+            <a:off x="457200" y="1151335"/>
+            <a:ext cx="4040188" cy="479822"/>
           </a:xfrm>
         </p:spPr>
         <p:txBody>
@@ -1654,8 +1654,8 @@
         </p:nvSpPr>
         <p:spPr>
           <a:xfrm>
-            <a:off x="457200" y="2174875"/>
-            <a:ext cx="4040188" cy="3951288"/>
+            <a:off x="457200" y="1631156"/>
+            <a:ext cx="4040188" cy="2963466"/>
           </a:xfrm>
         </p:spPr>
         <p:txBody>
@@ -1771,8 +1771,8 @@
         </p:nvSpPr>
         <p:spPr>
           <a:xfrm>
-            <a:off x="4645025" y="1535113"/>
-            <a:ext cx="4041775" cy="639762"/>
+            <a:off x="4645026" y="1151335"/>
+            <a:ext cx="4041775" cy="479822"/>
           </a:xfrm>
         </p:spPr>
         <p:txBody>
@@ -1836,8 +1836,8 @@
         </p:nvSpPr>
         <p:spPr>
           <a:xfrm>
-            <a:off x="4645025" y="2174875"/>
-            <a:ext cx="4041775" cy="3951288"/>
+            <a:off x="4645026" y="1631156"/>
+            <a:ext cx="4041775" cy="2963466"/>
           </a:xfrm>
         </p:spPr>
         <p:txBody>
@@ -1958,7 +1958,7 @@
           <a:p>
             <a:fld id="{E90ED720-0104-4369-84BC-D37694168613}" type="datetimeFigureOut">
               <a:rPr kumimoji="1" lang="ja-JP" altLang="en-US" smtClean="0"/>
-              <a:t>2018/5/1</a:t>
+              <a:t>2018/6/2</a:t>
             </a:fld>
             <a:endParaRPr kumimoji="1" lang="ja-JP" altLang="en-US"/>
           </a:p>
@@ -2071,7 +2071,7 @@
           <a:p>
             <a:fld id="{E90ED720-0104-4369-84BC-D37694168613}" type="datetimeFigureOut">
               <a:rPr kumimoji="1" lang="ja-JP" altLang="en-US" smtClean="0"/>
-              <a:t>2018/5/1</a:t>
+              <a:t>2018/6/2</a:t>
             </a:fld>
             <a:endParaRPr kumimoji="1" lang="ja-JP" altLang="en-US"/>
           </a:p>
@@ -2161,7 +2161,7 @@
           <a:p>
             <a:fld id="{E90ED720-0104-4369-84BC-D37694168613}" type="datetimeFigureOut">
               <a:rPr kumimoji="1" lang="ja-JP" altLang="en-US" smtClean="0"/>
-              <a:t>2018/5/1</a:t>
+              <a:t>2018/6/2</a:t>
             </a:fld>
             <a:endParaRPr kumimoji="1" lang="ja-JP" altLang="en-US"/>
           </a:p>
@@ -2246,8 +2246,8 @@
         </p:nvSpPr>
         <p:spPr>
           <a:xfrm>
-            <a:off x="457200" y="273050"/>
-            <a:ext cx="3008313" cy="1162050"/>
+            <a:off x="457201" y="204787"/>
+            <a:ext cx="3008313" cy="871538"/>
           </a:xfrm>
         </p:spPr>
         <p:txBody>
@@ -2278,8 +2278,8 @@
         </p:nvSpPr>
         <p:spPr>
           <a:xfrm>
-            <a:off x="3575050" y="273050"/>
-            <a:ext cx="5111750" cy="5853113"/>
+            <a:off x="3575050" y="204788"/>
+            <a:ext cx="5111750" cy="4389835"/>
           </a:xfrm>
         </p:spPr>
         <p:txBody>
@@ -2395,8 +2395,8 @@
         </p:nvSpPr>
         <p:spPr>
           <a:xfrm>
-            <a:off x="457200" y="1435100"/>
-            <a:ext cx="3008313" cy="4691063"/>
+            <a:off x="457201" y="1076326"/>
+            <a:ext cx="3008313" cy="3518297"/>
           </a:xfrm>
         </p:spPr>
         <p:txBody>
@@ -2465,7 +2465,7 @@
           <a:p>
             <a:fld id="{E90ED720-0104-4369-84BC-D37694168613}" type="datetimeFigureOut">
               <a:rPr kumimoji="1" lang="ja-JP" altLang="en-US" smtClean="0"/>
-              <a:t>2018/5/1</a:t>
+              <a:t>2018/6/2</a:t>
             </a:fld>
             <a:endParaRPr kumimoji="1" lang="ja-JP" altLang="en-US"/>
           </a:p>
@@ -2550,8 +2550,8 @@
         </p:nvSpPr>
         <p:spPr>
           <a:xfrm>
-            <a:off x="1792288" y="4800600"/>
-            <a:ext cx="5486400" cy="566738"/>
+            <a:off x="1792288" y="3600450"/>
+            <a:ext cx="5486400" cy="425054"/>
           </a:xfrm>
         </p:spPr>
         <p:txBody>
@@ -2582,8 +2582,8 @@
         </p:nvSpPr>
         <p:spPr>
           <a:xfrm>
-            <a:off x="1792288" y="612775"/>
-            <a:ext cx="5486400" cy="4114800"/>
+            <a:off x="1792288" y="459581"/>
+            <a:ext cx="5486400" cy="3086100"/>
           </a:xfrm>
         </p:spPr>
         <p:txBody>
@@ -2643,8 +2643,8 @@
         </p:nvSpPr>
         <p:spPr>
           <a:xfrm>
-            <a:off x="1792288" y="5367338"/>
-            <a:ext cx="5486400" cy="804862"/>
+            <a:off x="1792288" y="4025503"/>
+            <a:ext cx="5486400" cy="603647"/>
           </a:xfrm>
         </p:spPr>
         <p:txBody>
@@ -2713,7 +2713,7 @@
           <a:p>
             <a:fld id="{E90ED720-0104-4369-84BC-D37694168613}" type="datetimeFigureOut">
               <a:rPr kumimoji="1" lang="ja-JP" altLang="en-US" smtClean="0"/>
-              <a:t>2018/5/1</a:t>
+              <a:t>2018/6/2</a:t>
             </a:fld>
             <a:endParaRPr kumimoji="1" lang="ja-JP" altLang="en-US"/>
           </a:p>
@@ -2803,8 +2803,8 @@
         </p:nvSpPr>
         <p:spPr>
           <a:xfrm>
-            <a:off x="457200" y="274638"/>
-            <a:ext cx="8229600" cy="1143000"/>
+            <a:off x="457200" y="205979"/>
+            <a:ext cx="8229600" cy="857250"/>
           </a:xfrm>
           <a:prstGeom prst="rect">
             <a:avLst/>
@@ -2836,8 +2836,8 @@
         </p:nvSpPr>
         <p:spPr>
           <a:xfrm>
-            <a:off x="457200" y="1600200"/>
-            <a:ext cx="8229600" cy="4525963"/>
+            <a:off x="457200" y="1200151"/>
+            <a:ext cx="8229600" cy="3394472"/>
           </a:xfrm>
           <a:prstGeom prst="rect">
             <a:avLst/>
@@ -2930,8 +2930,8 @@
         </p:nvSpPr>
         <p:spPr>
           <a:xfrm>
-            <a:off x="457200" y="6356350"/>
-            <a:ext cx="2133600" cy="365125"/>
+            <a:off x="457200" y="4767263"/>
+            <a:ext cx="2133600" cy="273844"/>
           </a:xfrm>
           <a:prstGeom prst="rect">
             <a:avLst/>
@@ -2953,7 +2953,7 @@
           <a:p>
             <a:fld id="{E90ED720-0104-4369-84BC-D37694168613}" type="datetimeFigureOut">
               <a:rPr kumimoji="1" lang="ja-JP" altLang="en-US" smtClean="0"/>
-              <a:t>2018/5/1</a:t>
+              <a:t>2018/6/2</a:t>
             </a:fld>
             <a:endParaRPr kumimoji="1" lang="ja-JP" altLang="en-US"/>
           </a:p>
@@ -2971,8 +2971,8 @@
         </p:nvSpPr>
         <p:spPr>
           <a:xfrm>
-            <a:off x="3124200" y="6356350"/>
-            <a:ext cx="2895600" cy="365125"/>
+            <a:off x="3124200" y="4767263"/>
+            <a:ext cx="2895600" cy="273844"/>
           </a:xfrm>
           <a:prstGeom prst="rect">
             <a:avLst/>
@@ -3008,8 +3008,8 @@
         </p:nvSpPr>
         <p:spPr>
           <a:xfrm>
-            <a:off x="6553200" y="6356350"/>
-            <a:ext cx="2133600" cy="365125"/>
+            <a:off x="6553200" y="4767263"/>
+            <a:ext cx="2133600" cy="273844"/>
           </a:xfrm>
           <a:prstGeom prst="rect">
             <a:avLst/>
